--- a/Presentation.pptx
+++ b/Presentation.pptx
@@ -3361,7 +3361,7 @@
           <a:p>
             <a:r>
               <a:rPr lang="en-US" dirty="0"/>
-              <a:t>Title Page</a:t>
+              <a:t>Project 2</a:t>
             </a:r>
           </a:p>
         </p:txBody>
@@ -3388,9 +3388,63 @@
           <a:lstStyle/>
           <a:p>
             <a:r>
-              <a:rPr lang="en-US" dirty="0"/>
-              <a:t>By: Group 7</a:t>
-            </a:r>
+              <a:rPr lang="en-US" b="1" dirty="0"/>
+              <a:t>By: Abdoulaye Kane</a:t>
+            </a:r>
+          </a:p>
+          <a:p>
+            <a:r>
+              <a:rPr lang="en-US" b="1" dirty="0"/>
+              <a:t>   Rolando </a:t>
+            </a:r>
+            <a:r>
+              <a:rPr lang="en-US" b="1" dirty="0" err="1"/>
+              <a:t>Jule</a:t>
+            </a:r>
+            <a:endParaRPr lang="en-US" b="1" dirty="0"/>
+          </a:p>
+          <a:p>
+            <a:r>
+              <a:rPr lang="en-US" b="1" i="0" dirty="0">
+                <a:solidFill>
+                  <a:srgbClr val="1D1C1D"/>
+                </a:solidFill>
+                <a:effectLst/>
+                <a:latin typeface="Slack-Lato"/>
+              </a:rPr>
+              <a:t>		</a:t>
+            </a:r>
+            <a:r>
+              <a:rPr lang="en-US" b="1" i="0" dirty="0" err="1">
+                <a:solidFill>
+                  <a:srgbClr val="1D1C1D"/>
+                </a:solidFill>
+                <a:effectLst/>
+                <a:latin typeface="Slack-Lato"/>
+              </a:rPr>
+              <a:t>Olagoke</a:t>
+            </a:r>
+            <a:r>
+              <a:rPr lang="en-US" b="1" i="0" dirty="0">
+                <a:solidFill>
+                  <a:srgbClr val="1D1C1D"/>
+                </a:solidFill>
+                <a:effectLst/>
+                <a:latin typeface="Slack-Lato"/>
+              </a:rPr>
+              <a:t> Michael </a:t>
+            </a:r>
+            <a:r>
+              <a:rPr lang="en-US" b="1" i="0" dirty="0" err="1">
+                <a:solidFill>
+                  <a:srgbClr val="1D1C1D"/>
+                </a:solidFill>
+                <a:effectLst/>
+                <a:latin typeface="Slack-Lato"/>
+              </a:rPr>
+              <a:t>Kupolati</a:t>
+            </a:r>
+            <a:endParaRPr lang="en-US" b="1" dirty="0"/>
           </a:p>
         </p:txBody>
       </p:sp>
@@ -3805,7 +3859,7 @@
           <a:p>
             <a:r>
               <a:rPr lang="en-US" b="1" dirty="0"/>
-              <a:t>Create a scatter plot using </a:t>
+              <a:t>Create a Scatter plot using </a:t>
             </a:r>
             <a:r>
               <a:rPr lang="en-US" b="1" dirty="0" err="1"/>
@@ -3843,8 +3897,8 @@
         </p:blipFill>
         <p:spPr>
           <a:xfrm>
-            <a:off x="296883" y="1995054"/>
-            <a:ext cx="8752444" cy="3800104"/>
+            <a:off x="296882" y="1520042"/>
+            <a:ext cx="10295907" cy="4933375"/>
           </a:xfrm>
           <a:prstGeom prst="rect">
             <a:avLst/>

--- a/Presentation.pptx
+++ b/Presentation.pptx
@@ -271,7 +271,7 @@
           <a:p>
             <a:fld id="{6286FE47-A9B5-D342-9F6F-070A63BDE474}" type="datetimeFigureOut">
               <a:rPr lang="en-US" smtClean="0"/>
-              <a:t>12/4/22</a:t>
+              <a:t>12/7/22</a:t>
             </a:fld>
             <a:endParaRPr lang="en-US"/>
           </a:p>
@@ -469,7 +469,7 @@
           <a:p>
             <a:fld id="{6286FE47-A9B5-D342-9F6F-070A63BDE474}" type="datetimeFigureOut">
               <a:rPr lang="en-US" smtClean="0"/>
-              <a:t>12/4/22</a:t>
+              <a:t>12/7/22</a:t>
             </a:fld>
             <a:endParaRPr lang="en-US"/>
           </a:p>
@@ -677,7 +677,7 @@
           <a:p>
             <a:fld id="{6286FE47-A9B5-D342-9F6F-070A63BDE474}" type="datetimeFigureOut">
               <a:rPr lang="en-US" smtClean="0"/>
-              <a:t>12/4/22</a:t>
+              <a:t>12/7/22</a:t>
             </a:fld>
             <a:endParaRPr lang="en-US"/>
           </a:p>
@@ -875,7 +875,7 @@
           <a:p>
             <a:fld id="{6286FE47-A9B5-D342-9F6F-070A63BDE474}" type="datetimeFigureOut">
               <a:rPr lang="en-US" smtClean="0"/>
-              <a:t>12/4/22</a:t>
+              <a:t>12/7/22</a:t>
             </a:fld>
             <a:endParaRPr lang="en-US"/>
           </a:p>
@@ -1150,7 +1150,7 @@
           <a:p>
             <a:fld id="{6286FE47-A9B5-D342-9F6F-070A63BDE474}" type="datetimeFigureOut">
               <a:rPr lang="en-US" smtClean="0"/>
-              <a:t>12/4/22</a:t>
+              <a:t>12/7/22</a:t>
             </a:fld>
             <a:endParaRPr lang="en-US"/>
           </a:p>
@@ -1415,7 +1415,7 @@
           <a:p>
             <a:fld id="{6286FE47-A9B5-D342-9F6F-070A63BDE474}" type="datetimeFigureOut">
               <a:rPr lang="en-US" smtClean="0"/>
-              <a:t>12/4/22</a:t>
+              <a:t>12/7/22</a:t>
             </a:fld>
             <a:endParaRPr lang="en-US"/>
           </a:p>
@@ -1827,7 +1827,7 @@
           <a:p>
             <a:fld id="{6286FE47-A9B5-D342-9F6F-070A63BDE474}" type="datetimeFigureOut">
               <a:rPr lang="en-US" smtClean="0"/>
-              <a:t>12/4/22</a:t>
+              <a:t>12/7/22</a:t>
             </a:fld>
             <a:endParaRPr lang="en-US"/>
           </a:p>
@@ -1968,7 +1968,7 @@
           <a:p>
             <a:fld id="{6286FE47-A9B5-D342-9F6F-070A63BDE474}" type="datetimeFigureOut">
               <a:rPr lang="en-US" smtClean="0"/>
-              <a:t>12/4/22</a:t>
+              <a:t>12/7/22</a:t>
             </a:fld>
             <a:endParaRPr lang="en-US"/>
           </a:p>
@@ -2081,7 +2081,7 @@
           <a:p>
             <a:fld id="{6286FE47-A9B5-D342-9F6F-070A63BDE474}" type="datetimeFigureOut">
               <a:rPr lang="en-US" smtClean="0"/>
-              <a:t>12/4/22</a:t>
+              <a:t>12/7/22</a:t>
             </a:fld>
             <a:endParaRPr lang="en-US"/>
           </a:p>
@@ -2392,7 +2392,7 @@
           <a:p>
             <a:fld id="{6286FE47-A9B5-D342-9F6F-070A63BDE474}" type="datetimeFigureOut">
               <a:rPr lang="en-US" smtClean="0"/>
-              <a:t>12/4/22</a:t>
+              <a:t>12/7/22</a:t>
             </a:fld>
             <a:endParaRPr lang="en-US"/>
           </a:p>
@@ -2680,7 +2680,7 @@
           <a:p>
             <a:fld id="{6286FE47-A9B5-D342-9F6F-070A63BDE474}" type="datetimeFigureOut">
               <a:rPr lang="en-US" smtClean="0"/>
-              <a:t>12/4/22</a:t>
+              <a:t>12/7/22</a:t>
             </a:fld>
             <a:endParaRPr lang="en-US"/>
           </a:p>
@@ -2921,7 +2921,7 @@
           <a:p>
             <a:fld id="{6286FE47-A9B5-D342-9F6F-070A63BDE474}" type="datetimeFigureOut">
               <a:rPr lang="en-US" smtClean="0"/>
-              <a:t>12/4/22</a:t>
+              <a:t>12/7/22</a:t>
             </a:fld>
             <a:endParaRPr lang="en-US"/>
           </a:p>
@@ -3982,7 +3982,7 @@
         <p:spPr/>
         <p:txBody>
           <a:bodyPr>
-            <a:normAutofit fontScale="85000" lnSpcReduction="10000"/>
+            <a:normAutofit fontScale="85000" lnSpcReduction="20000"/>
           </a:bodyPr>
           <a:lstStyle/>
           <a:p>
@@ -3997,7 +3997,7 @@
                 <a:ea typeface="Calibri" panose="020F0502020204030204" pitchFamily="34" charset="0"/>
                 <a:cs typeface="Times New Roman" panose="02020603050405020304" pitchFamily="18" charset="0"/>
               </a:rPr>
-              <a:t>Our project’s goal was to identify a tool to measure and estimate life-expectancy based on GDP expenditures and access to basic sanitation resources. </a:t>
+              <a:t>Our project’s goal was to identify a tool to measure and estimate life expectancy based on GDP expenditures and access to basic sanitation resources. </a:t>
             </a:r>
           </a:p>
           <a:p>
@@ -4100,10 +4100,53 @@
                 <a:ea typeface="Calibri" panose="020F0502020204030204" pitchFamily="34" charset="0"/>
                 <a:cs typeface="Times New Roman" panose="02020603050405020304" pitchFamily="18" charset="0"/>
               </a:rPr>
-              <a:t>This tool for comparison will help to predict life expectancy for both high- and low-income countries based on GDP expenditures and access to basic sanitation resources. </a:t>
-            </a:r>
-          </a:p>
-          <a:p>
+              <a:t>This comparison tool will help predict life expectancy for both high-low-income countries based on GDP expenditures and access to basic sanitation resources. </a:t>
+            </a:r>
+          </a:p>
+          <a:p>
+            <a:pPr marL="0" indent="0">
+              <a:buNone/>
+            </a:pPr>
+            <a:endParaRPr lang="en-US" dirty="0"/>
+          </a:p>
+          <a:p>
+            <a:pPr marL="0" indent="0">
+              <a:buNone/>
+            </a:pPr>
+            <a:r>
+              <a:rPr lang="en-US" b="0" i="0" dirty="0">
+                <a:solidFill>
+                  <a:srgbClr val="0563C1"/>
+                </a:solidFill>
+                <a:effectLst/>
+                <a:latin typeface="Calibri" panose="020F0502020204030204" pitchFamily="34" charset="0"/>
+                <a:hlinkClick r:id="rId2" tooltip="https://databank.worldbank.org/reports.aspx?source=health-nutrition-and-population-statistics#advancedDownloadOptions"/>
+              </a:rPr>
+              <a:t> </a:t>
+            </a:r>
+            <a:r>
+              <a:rPr lang="en-US" b="0" i="0" u="sng" dirty="0">
+                <a:solidFill>
+                  <a:srgbClr val="0563C1"/>
+                </a:solidFill>
+                <a:effectLst/>
+                <a:latin typeface="Calibri" panose="020F0502020204030204" pitchFamily="34" charset="0"/>
+                <a:hlinkClick r:id="rId2" tooltip="https://databank.worldbank.org/reports.aspx?source=health-nutrition-and-population-statistics#advancedDownloadOptions"/>
+              </a:rPr>
+              <a:t>https://databank.worldbank.org</a:t>
+            </a:r>
+            <a:endParaRPr lang="en-US" b="0" i="0" u="sng" dirty="0">
+              <a:solidFill>
+                <a:srgbClr val="0563C1"/>
+              </a:solidFill>
+              <a:effectLst/>
+              <a:latin typeface="Calibri" panose="020F0502020204030204" pitchFamily="34" charset="0"/>
+            </a:endParaRPr>
+          </a:p>
+          <a:p>
+            <a:pPr marL="0" indent="0">
+              <a:buNone/>
+            </a:pPr>
             <a:endParaRPr lang="en-US" dirty="0"/>
           </a:p>
         </p:txBody>

--- a/Presentation.pptx
+++ b/Presentation.pptx
@@ -4240,18 +4240,11 @@
               <a:buChar char="§"/>
             </a:pPr>
             <a:r>
-              <a:rPr lang="en-US" sz="6400">
-                <a:latin typeface="Calibri" panose="020F0502020204030204" pitchFamily="34" charset="0"/>
-                <a:cs typeface="Times New Roman" panose="02020603050405020304" pitchFamily="18" charset="0"/>
-              </a:rPr>
-              <a:t>Project-2</a:t>
-            </a:r>
-            <a:r>
               <a:rPr lang="en-US" sz="6400" dirty="0">
                 <a:latin typeface="Calibri" panose="020F0502020204030204" pitchFamily="34" charset="0"/>
                 <a:cs typeface="Times New Roman" panose="02020603050405020304" pitchFamily="18" charset="0"/>
               </a:rPr>
-              <a:t>: Health Nutrition and population statistics for 14 governments at random, and applying machine learning to predict GDP expenditure on health  government and build a bot for data inquiries:</a:t>
+              <a:t>Project-2: Health Nutrition and population statistics for 14 governments at random, and applying machine learning to predict GDP expenditure on health by the government:</a:t>
             </a:r>
           </a:p>
           <a:p>
